--- a/研二/24-11-18研二第一次汇报.pptx
+++ b/研二/24-11-18研二第一次汇报.pptx
@@ -13188,13 +13188,13 @@
       </p:grpSp>
       <p:sp>
         <p:nvSpPr>
-          <p:cNvPr id="178" name="圆角矩形 177"/>
+          <p:cNvPr id="217" name="圆角矩形 216"/>
           <p:cNvSpPr/>
           <p:nvPr/>
         </p:nvSpPr>
         <p:spPr>
           <a:xfrm>
-            <a:off x="603885" y="2941955"/>
+            <a:off x="603885" y="2933700"/>
             <a:ext cx="3810635" cy="1936115"/>
           </a:xfrm>
           <a:prstGeom prst="roundRect">
@@ -13233,13 +13233,13 @@
       </p:sp>
       <p:sp>
         <p:nvSpPr>
-          <p:cNvPr id="179" name="立方体 178"/>
+          <p:cNvPr id="186" name="立方体 185"/>
           <p:cNvSpPr/>
           <p:nvPr/>
         </p:nvSpPr>
         <p:spPr>
           <a:xfrm>
-            <a:off x="813435" y="4567555"/>
+            <a:off x="813435" y="4559300"/>
             <a:ext cx="864235" cy="190500"/>
           </a:xfrm>
           <a:prstGeom prst="cube">
@@ -13283,13 +13283,13 @@
       </p:sp>
       <p:sp>
         <p:nvSpPr>
-          <p:cNvPr id="180" name="立方体 179"/>
+          <p:cNvPr id="187" name="立方体 186"/>
           <p:cNvSpPr/>
           <p:nvPr/>
         </p:nvSpPr>
         <p:spPr>
           <a:xfrm>
-            <a:off x="2816860" y="4567555"/>
+            <a:off x="2816860" y="4559300"/>
             <a:ext cx="332740" cy="190500"/>
           </a:xfrm>
           <a:prstGeom prst="cube">
@@ -13333,13 +13333,13 @@
       </p:sp>
       <p:sp>
         <p:nvSpPr>
-          <p:cNvPr id="181" name="立方体 180"/>
+          <p:cNvPr id="188" name="立方体 187"/>
           <p:cNvSpPr/>
           <p:nvPr/>
         </p:nvSpPr>
         <p:spPr>
           <a:xfrm>
-            <a:off x="3448685" y="4566920"/>
+            <a:off x="3448685" y="4558665"/>
             <a:ext cx="215900" cy="190500"/>
           </a:xfrm>
           <a:prstGeom prst="cube">
@@ -13383,13 +13383,13 @@
       </p:sp>
       <p:sp>
         <p:nvSpPr>
-          <p:cNvPr id="182" name="立方体 181"/>
+          <p:cNvPr id="189" name="立方体 188"/>
           <p:cNvSpPr/>
           <p:nvPr/>
         </p:nvSpPr>
         <p:spPr>
           <a:xfrm>
-            <a:off x="1923415" y="4567555"/>
+            <a:off x="1923415" y="4559300"/>
             <a:ext cx="628650" cy="190500"/>
           </a:xfrm>
           <a:prstGeom prst="cube">
@@ -13433,13 +13433,13 @@
       </p:sp>
       <p:sp>
         <p:nvSpPr>
-          <p:cNvPr id="184" name="立方体 183"/>
+          <p:cNvPr id="192" name="立方体 191"/>
           <p:cNvSpPr/>
           <p:nvPr/>
         </p:nvSpPr>
         <p:spPr>
           <a:xfrm>
-            <a:off x="813435" y="3503930"/>
+            <a:off x="813435" y="3495675"/>
             <a:ext cx="864235" cy="190500"/>
           </a:xfrm>
           <a:prstGeom prst="cube">
@@ -13483,13 +13483,13 @@
       </p:sp>
       <p:sp>
         <p:nvSpPr>
-          <p:cNvPr id="190" name="立方体 189"/>
+          <p:cNvPr id="193" name="立方体 192"/>
           <p:cNvSpPr/>
           <p:nvPr/>
         </p:nvSpPr>
         <p:spPr>
           <a:xfrm>
-            <a:off x="1927860" y="4030980"/>
+            <a:off x="1927860" y="4022725"/>
             <a:ext cx="628650" cy="190500"/>
           </a:xfrm>
           <a:prstGeom prst="cube">
@@ -13533,16 +13533,16 @@
       </p:sp>
       <p:cxnSp>
         <p:nvCxnSpPr>
-          <p:cNvPr id="191" name="直接箭头连接符 190"/>
+          <p:cNvPr id="194" name="直接箭头连接符 193"/>
           <p:cNvCxnSpPr>
-            <a:stCxn id="179" idx="0"/>
-            <a:endCxn id="190" idx="3"/>
+            <a:stCxn id="186" idx="0"/>
+            <a:endCxn id="193" idx="3"/>
           </p:cNvCxnSpPr>
           <p:nvPr/>
         </p:nvCxnSpPr>
         <p:spPr>
           <a:xfrm flipV="1">
-            <a:off x="1269365" y="4221480"/>
+            <a:off x="1269365" y="4213225"/>
             <a:ext cx="949325" cy="346075"/>
           </a:xfrm>
           <a:prstGeom prst="straightConnector1">
@@ -13572,13 +13572,13 @@
       </p:cxnSp>
       <p:cxnSp>
         <p:nvCxnSpPr>
-          <p:cNvPr id="198" name="直接箭头连接符 197"/>
+          <p:cNvPr id="195" name="直接箭头连接符 194"/>
           <p:cNvCxnSpPr/>
           <p:nvPr/>
         </p:nvCxnSpPr>
         <p:spPr>
           <a:xfrm flipV="1">
-            <a:off x="2225040" y="4221480"/>
+            <a:off x="2225040" y="4213225"/>
             <a:ext cx="0" cy="336550"/>
           </a:xfrm>
           <a:prstGeom prst="straightConnector1">
@@ -13608,13 +13608,13 @@
       </p:cxnSp>
       <p:sp>
         <p:nvSpPr>
-          <p:cNvPr id="199" name="立方体 198"/>
+          <p:cNvPr id="196" name="立方体 195"/>
           <p:cNvSpPr/>
           <p:nvPr/>
         </p:nvSpPr>
         <p:spPr>
           <a:xfrm>
-            <a:off x="2827655" y="4036695"/>
+            <a:off x="2827655" y="4028440"/>
             <a:ext cx="332740" cy="190500"/>
           </a:xfrm>
           <a:prstGeom prst="cube">
@@ -13658,13 +13658,13 @@
       </p:sp>
       <p:cxnSp>
         <p:nvCxnSpPr>
-          <p:cNvPr id="200" name="直接箭头连接符 199"/>
+          <p:cNvPr id="197" name="直接箭头连接符 196"/>
           <p:cNvCxnSpPr/>
           <p:nvPr/>
         </p:nvCxnSpPr>
         <p:spPr>
           <a:xfrm>
-            <a:off x="2556510" y="4130675"/>
+            <a:off x="2556510" y="4122420"/>
             <a:ext cx="263525" cy="5715"/>
           </a:xfrm>
           <a:prstGeom prst="straightConnector1">
@@ -13694,13 +13694,13 @@
       </p:cxnSp>
       <p:sp>
         <p:nvSpPr>
-          <p:cNvPr id="202" name="立方体 201"/>
+          <p:cNvPr id="201" name="立方体 200"/>
           <p:cNvSpPr/>
           <p:nvPr/>
         </p:nvSpPr>
         <p:spPr>
           <a:xfrm>
-            <a:off x="3448685" y="3498215"/>
+            <a:off x="3448685" y="3489960"/>
             <a:ext cx="215900" cy="190500"/>
           </a:xfrm>
           <a:prstGeom prst="cube">
@@ -13744,13 +13744,13 @@
       </p:sp>
       <p:sp>
         <p:nvSpPr>
-          <p:cNvPr id="204" name="立方体 203"/>
+          <p:cNvPr id="203" name="立方体 202"/>
           <p:cNvSpPr/>
           <p:nvPr/>
         </p:nvSpPr>
         <p:spPr>
           <a:xfrm>
-            <a:off x="1927860" y="3503930"/>
+            <a:off x="1927860" y="3495675"/>
             <a:ext cx="628650" cy="190500"/>
           </a:xfrm>
           <a:prstGeom prst="cube">
@@ -13794,13 +13794,13 @@
       </p:sp>
       <p:sp>
         <p:nvSpPr>
-          <p:cNvPr id="207" name="立方体 206"/>
+          <p:cNvPr id="205" name="立方体 204"/>
           <p:cNvSpPr/>
           <p:nvPr/>
         </p:nvSpPr>
         <p:spPr>
           <a:xfrm>
-            <a:off x="2827655" y="3505200"/>
+            <a:off x="2827655" y="3496945"/>
             <a:ext cx="332740" cy="190500"/>
           </a:xfrm>
           <a:prstGeom prst="cube">
@@ -13844,13 +13844,13 @@
       </p:sp>
       <p:cxnSp>
         <p:nvCxnSpPr>
-          <p:cNvPr id="208" name="直接箭头连接符 207"/>
+          <p:cNvPr id="206" name="直接箭头连接符 205"/>
           <p:cNvCxnSpPr/>
           <p:nvPr/>
         </p:nvCxnSpPr>
         <p:spPr>
           <a:xfrm flipV="1">
-            <a:off x="1226820" y="3695700"/>
+            <a:off x="1226820" y="3687445"/>
             <a:ext cx="7620" cy="869950"/>
           </a:xfrm>
           <a:prstGeom prst="straightConnector1">
@@ -13881,13 +13881,13 @@
       </p:cxnSp>
       <p:cxnSp>
         <p:nvCxnSpPr>
-          <p:cNvPr id="213" name="直接箭头连接符 212"/>
+          <p:cNvPr id="209" name="直接箭头连接符 208"/>
           <p:cNvCxnSpPr/>
           <p:nvPr/>
         </p:nvCxnSpPr>
         <p:spPr>
           <a:xfrm>
-            <a:off x="3154680" y="3592830"/>
+            <a:off x="3154680" y="3584575"/>
             <a:ext cx="299085" cy="0"/>
           </a:xfrm>
           <a:prstGeom prst="straightConnector1">
@@ -13918,13 +13918,13 @@
       </p:cxnSp>
       <p:cxnSp>
         <p:nvCxnSpPr>
-          <p:cNvPr id="214" name="直接箭头连接符 213"/>
+          <p:cNvPr id="210" name="直接箭头连接符 209"/>
           <p:cNvCxnSpPr/>
           <p:nvPr/>
         </p:nvCxnSpPr>
         <p:spPr>
           <a:xfrm>
-            <a:off x="2517775" y="3592830"/>
+            <a:off x="2517775" y="3584575"/>
             <a:ext cx="299085" cy="0"/>
           </a:xfrm>
           <a:prstGeom prst="straightConnector1">
@@ -13955,13 +13955,13 @@
       </p:cxnSp>
       <p:cxnSp>
         <p:nvCxnSpPr>
-          <p:cNvPr id="215" name="直接箭头连接符 214"/>
+          <p:cNvPr id="211" name="直接箭头连接符 210"/>
           <p:cNvCxnSpPr/>
           <p:nvPr/>
         </p:nvCxnSpPr>
         <p:spPr>
           <a:xfrm>
-            <a:off x="1628775" y="3592830"/>
+            <a:off x="1628775" y="3584575"/>
             <a:ext cx="299085" cy="0"/>
           </a:xfrm>
           <a:prstGeom prst="straightConnector1">
@@ -13992,13 +13992,13 @@
       </p:cxnSp>
       <p:cxnSp>
         <p:nvCxnSpPr>
-          <p:cNvPr id="216" name="直接箭头连接符 215"/>
+          <p:cNvPr id="212" name="直接箭头连接符 211"/>
           <p:cNvCxnSpPr/>
           <p:nvPr/>
         </p:nvCxnSpPr>
         <p:spPr>
           <a:xfrm flipV="1">
-            <a:off x="3154680" y="3695700"/>
+            <a:off x="3154680" y="3687445"/>
             <a:ext cx="289560" cy="358775"/>
           </a:xfrm>
           <a:prstGeom prst="straightConnector1">
@@ -14028,13 +14028,13 @@
       </p:cxnSp>
       <p:cxnSp>
         <p:nvCxnSpPr>
-          <p:cNvPr id="223" name="直接箭头连接符 222"/>
+          <p:cNvPr id="218" name="直接箭头连接符 217"/>
           <p:cNvCxnSpPr/>
           <p:nvPr/>
         </p:nvCxnSpPr>
         <p:spPr>
           <a:xfrm>
-            <a:off x="3878580" y="3444240"/>
+            <a:off x="3878580" y="3435985"/>
             <a:ext cx="365760" cy="0"/>
           </a:xfrm>
           <a:prstGeom prst="straightConnector1">
@@ -14064,13 +14064,13 @@
       </p:cxnSp>
       <p:sp>
         <p:nvSpPr>
-          <p:cNvPr id="226" name="文本框 225"/>
+          <p:cNvPr id="219" name="文本框 218"/>
           <p:cNvSpPr txBox="1"/>
           <p:nvPr/>
         </p:nvSpPr>
         <p:spPr>
           <a:xfrm>
-            <a:off x="3816985" y="3443605"/>
+            <a:off x="3816985" y="3435350"/>
             <a:ext cx="571500" cy="245110"/>
           </a:xfrm>
           <a:prstGeom prst="rect">
@@ -14099,13 +14099,13 @@
       </p:sp>
       <p:cxnSp>
         <p:nvCxnSpPr>
-          <p:cNvPr id="227" name="直接箭头连接符 226"/>
+          <p:cNvPr id="220" name="直接箭头连接符 219"/>
           <p:cNvCxnSpPr/>
           <p:nvPr/>
         </p:nvCxnSpPr>
         <p:spPr>
           <a:xfrm>
-            <a:off x="3878580" y="4117340"/>
+            <a:off x="3878580" y="4109085"/>
             <a:ext cx="365760" cy="0"/>
           </a:xfrm>
           <a:prstGeom prst="straightConnector1">
@@ -14135,13 +14135,13 @@
       </p:cxnSp>
       <p:cxnSp>
         <p:nvCxnSpPr>
-          <p:cNvPr id="236" name="直接箭头连接符 235"/>
+          <p:cNvPr id="221" name="直接箭头连接符 220"/>
           <p:cNvCxnSpPr/>
           <p:nvPr/>
         </p:nvCxnSpPr>
         <p:spPr>
           <a:xfrm>
-            <a:off x="3878580" y="3764915"/>
+            <a:off x="3878580" y="3756660"/>
             <a:ext cx="365760" cy="0"/>
           </a:xfrm>
           <a:prstGeom prst="straightConnector1">
@@ -14169,15 +14169,50 @@
           </a:fontRef>
         </p:style>
       </p:cxnSp>
+      <p:sp>
+        <p:nvSpPr>
+          <p:cNvPr id="222" name="文本框 221"/>
+          <p:cNvSpPr txBox="1"/>
+          <p:nvPr/>
+        </p:nvSpPr>
+        <p:spPr>
+          <a:xfrm>
+            <a:off x="3637915" y="3753485"/>
+            <a:ext cx="830580" cy="245110"/>
+          </a:xfrm>
+          <a:prstGeom prst="rect">
+            <a:avLst/>
+          </a:prstGeom>
+          <a:noFill/>
+        </p:spPr>
+        <p:txBody>
+          <a:bodyPr wrap="square" rtlCol="0">
+            <a:spAutoFit/>
+          </a:bodyPr>
+          <a:p>
+            <a:r>
+              <a:rPr lang="en-US" altLang="zh-CN" sz="1000">
+                <a:latin typeface="Times New Roman" panose="02020603050405020304" pitchFamily="18" charset="0"/>
+                <a:cs typeface="Times New Roman" panose="02020603050405020304" pitchFamily="18" charset="0"/>
+              </a:rPr>
+              <a:t>downsample</a:t>
+            </a:r>
+            <a:endParaRPr lang="en-US" altLang="zh-CN" sz="1000">
+              <a:latin typeface="Times New Roman" panose="02020603050405020304" pitchFamily="18" charset="0"/>
+              <a:cs typeface="Times New Roman" panose="02020603050405020304" pitchFamily="18" charset="0"/>
+            </a:endParaRPr>
+          </a:p>
+        </p:txBody>
+      </p:sp>
       <p:cxnSp>
         <p:nvCxnSpPr>
-          <p:cNvPr id="240" name="直接箭头连接符 239"/>
+          <p:cNvPr id="224" name="直接箭头连接符 223"/>
           <p:cNvCxnSpPr/>
           <p:nvPr/>
         </p:nvCxnSpPr>
         <p:spPr>
           <a:xfrm>
-            <a:off x="3878580" y="4427220"/>
+            <a:off x="3878580" y="4418965"/>
             <a:ext cx="365760" cy="0"/>
           </a:xfrm>
           <a:prstGeom prst="straightConnector1">
@@ -14207,13 +14242,13 @@
       </p:cxnSp>
       <p:sp>
         <p:nvSpPr>
-          <p:cNvPr id="241" name="文本框 240"/>
+          <p:cNvPr id="225" name="文本框 224"/>
           <p:cNvSpPr txBox="1"/>
           <p:nvPr/>
         </p:nvSpPr>
         <p:spPr>
           <a:xfrm>
-            <a:off x="3733800" y="4427220"/>
+            <a:off x="3733800" y="4418965"/>
             <a:ext cx="701040" cy="245110"/>
           </a:xfrm>
           <a:prstGeom prst="rect">
@@ -14242,19 +14277,24 @@
       </p:sp>
       <p:cxnSp>
         <p:nvCxnSpPr>
-          <p:cNvPr id="243" name="直接箭头连接符 242"/>
+          <p:cNvPr id="228" name="直接箭头连接符 227"/>
           <p:cNvCxnSpPr/>
           <p:nvPr/>
         </p:nvCxnSpPr>
         <p:spPr>
           <a:xfrm flipV="1">
-            <a:off x="1229360" y="3276600"/>
+            <a:off x="1229360" y="3268345"/>
             <a:ext cx="5080" cy="228600"/>
           </a:xfrm>
           <a:prstGeom prst="straightConnector1">
             <a:avLst/>
           </a:prstGeom>
           <a:ln>
+            <a:solidFill>
+              <a:schemeClr val="accent5">
+                <a:lumMod val="75000"/>
+              </a:schemeClr>
+            </a:solidFill>
             <a:tailEnd type="triangle"/>
           </a:ln>
         </p:spPr>
@@ -14275,19 +14315,24 @@
       </p:cxnSp>
       <p:cxnSp>
         <p:nvCxnSpPr>
-          <p:cNvPr id="244" name="直接箭头连接符 243"/>
+          <p:cNvPr id="229" name="直接箭头连接符 228"/>
           <p:cNvCxnSpPr/>
           <p:nvPr/>
         </p:nvCxnSpPr>
         <p:spPr>
           <a:xfrm flipV="1">
-            <a:off x="2232025" y="3276600"/>
+            <a:off x="2232025" y="3268345"/>
             <a:ext cx="5080" cy="228600"/>
           </a:xfrm>
           <a:prstGeom prst="straightConnector1">
             <a:avLst/>
           </a:prstGeom>
           <a:ln>
+            <a:solidFill>
+              <a:schemeClr val="accent5">
+                <a:lumMod val="75000"/>
+              </a:schemeClr>
+            </a:solidFill>
             <a:tailEnd type="triangle"/>
           </a:ln>
         </p:spPr>
@@ -14308,19 +14353,24 @@
       </p:cxnSp>
       <p:cxnSp>
         <p:nvCxnSpPr>
-          <p:cNvPr id="245" name="直接箭头连接符 244"/>
+          <p:cNvPr id="230" name="直接箭头连接符 229"/>
           <p:cNvCxnSpPr/>
           <p:nvPr/>
         </p:nvCxnSpPr>
         <p:spPr>
           <a:xfrm flipV="1">
-            <a:off x="2976245" y="3276600"/>
+            <a:off x="2976245" y="3268345"/>
             <a:ext cx="5080" cy="228600"/>
           </a:xfrm>
           <a:prstGeom prst="straightConnector1">
             <a:avLst/>
           </a:prstGeom>
           <a:ln>
+            <a:solidFill>
+              <a:schemeClr val="accent5">
+                <a:lumMod val="75000"/>
+              </a:schemeClr>
+            </a:solidFill>
             <a:tailEnd type="triangle"/>
           </a:ln>
         </p:spPr>
@@ -14341,19 +14391,24 @@
       </p:cxnSp>
       <p:cxnSp>
         <p:nvCxnSpPr>
-          <p:cNvPr id="247" name="直接箭头连接符 246"/>
+          <p:cNvPr id="231" name="直接箭头连接符 230"/>
           <p:cNvCxnSpPr/>
           <p:nvPr/>
         </p:nvCxnSpPr>
         <p:spPr>
           <a:xfrm flipV="1">
-            <a:off x="3556635" y="3276600"/>
+            <a:off x="3556635" y="3268345"/>
             <a:ext cx="5080" cy="228600"/>
           </a:xfrm>
           <a:prstGeom prst="straightConnector1">
             <a:avLst/>
           </a:prstGeom>
           <a:ln>
+            <a:solidFill>
+              <a:schemeClr val="accent5">
+                <a:lumMod val="75000"/>
+              </a:schemeClr>
+            </a:solidFill>
             <a:tailEnd type="triangle"/>
           </a:ln>
         </p:spPr>
@@ -14374,13 +14429,13 @@
       </p:cxnSp>
       <p:cxnSp>
         <p:nvCxnSpPr>
-          <p:cNvPr id="248" name="直接箭头连接符 247"/>
+          <p:cNvPr id="232" name="直接箭头连接符 231"/>
           <p:cNvCxnSpPr/>
           <p:nvPr/>
         </p:nvCxnSpPr>
         <p:spPr>
           <a:xfrm flipV="1">
-            <a:off x="2976245" y="3695700"/>
+            <a:off x="2976245" y="3687445"/>
             <a:ext cx="0" cy="336550"/>
           </a:xfrm>
           <a:prstGeom prst="straightConnector1">
@@ -14410,13 +14465,13 @@
       </p:cxnSp>
       <p:cxnSp>
         <p:nvCxnSpPr>
-          <p:cNvPr id="249" name="直接箭头连接符 248"/>
+          <p:cNvPr id="233" name="直接箭头连接符 232"/>
           <p:cNvCxnSpPr/>
           <p:nvPr/>
         </p:nvCxnSpPr>
         <p:spPr>
           <a:xfrm flipV="1">
-            <a:off x="2232025" y="3694430"/>
+            <a:off x="2232025" y="3686175"/>
             <a:ext cx="0" cy="336550"/>
           </a:xfrm>
           <a:prstGeom prst="straightConnector1">
@@ -14446,13 +14501,13 @@
       </p:cxnSp>
       <p:cxnSp>
         <p:nvCxnSpPr>
-          <p:cNvPr id="250" name="直接箭头连接符 249"/>
+          <p:cNvPr id="234" name="直接箭头连接符 233"/>
           <p:cNvCxnSpPr/>
           <p:nvPr/>
         </p:nvCxnSpPr>
         <p:spPr>
           <a:xfrm flipV="1">
-            <a:off x="2974340" y="4227195"/>
+            <a:off x="2974340" y="4218940"/>
             <a:ext cx="0" cy="336550"/>
           </a:xfrm>
           <a:prstGeom prst="straightConnector1">
@@ -14482,13 +14537,13 @@
       </p:cxnSp>
       <p:cxnSp>
         <p:nvCxnSpPr>
-          <p:cNvPr id="251" name="直接箭头连接符 250"/>
+          <p:cNvPr id="235" name="直接箭头连接符 234"/>
           <p:cNvCxnSpPr/>
           <p:nvPr/>
         </p:nvCxnSpPr>
         <p:spPr>
           <a:xfrm flipV="1">
-            <a:off x="3549015" y="3693795"/>
+            <a:off x="3549015" y="3685540"/>
             <a:ext cx="7620" cy="869950"/>
           </a:xfrm>
           <a:prstGeom prst="straightConnector1">
@@ -14519,13 +14574,13 @@
       </p:cxnSp>
       <p:cxnSp>
         <p:nvCxnSpPr>
-          <p:cNvPr id="252" name="曲线连接符 251"/>
+          <p:cNvPr id="237" name="曲线连接符 236"/>
           <p:cNvCxnSpPr/>
           <p:nvPr/>
         </p:nvCxnSpPr>
         <p:spPr>
           <a:xfrm rot="10800000" flipH="1">
-            <a:off x="1922780" y="3702685"/>
+            <a:off x="1922780" y="3694430"/>
             <a:ext cx="179705" cy="983615"/>
           </a:xfrm>
           <a:prstGeom prst="curvedConnector4">
@@ -14558,19 +14613,21 @@
       </p:cxnSp>
       <p:cxnSp>
         <p:nvCxnSpPr>
-          <p:cNvPr id="253" name="曲线连接符 252"/>
-          <p:cNvCxnSpPr/>
+          <p:cNvPr id="238" name="曲线连接符 237"/>
+          <p:cNvCxnSpPr>
+            <a:stCxn id="187" idx="2"/>
+          </p:cNvCxnSpPr>
           <p:nvPr/>
         </p:nvCxnSpPr>
         <p:spPr>
           <a:xfrm rot="10800000" flipH="1">
-            <a:off x="2827655" y="3693795"/>
-            <a:ext cx="179705" cy="983615"/>
+            <a:off x="2816860" y="3685540"/>
+            <a:ext cx="96520" cy="993140"/>
           </a:xfrm>
           <a:prstGeom prst="curvedConnector4">
             <a:avLst>
-              <a:gd name="adj1" fmla="val -68904"/>
-              <a:gd name="adj2" fmla="val 76952"/>
+              <a:gd name="adj1" fmla="val -171710"/>
+              <a:gd name="adj2" fmla="val 72762"/>
             </a:avLst>
           </a:prstGeom>
           <a:ln>
@@ -14597,13 +14654,13 @@
       </p:cxnSp>
       <p:sp>
         <p:nvSpPr>
-          <p:cNvPr id="254" name="矩形 253"/>
+          <p:cNvPr id="239" name="矩形 238"/>
           <p:cNvSpPr/>
           <p:nvPr/>
         </p:nvSpPr>
         <p:spPr>
           <a:xfrm>
-            <a:off x="813435" y="3025140"/>
+            <a:off x="813435" y="3016885"/>
             <a:ext cx="2844165" cy="259080"/>
           </a:xfrm>
           <a:prstGeom prst="rect">
@@ -14639,13 +14696,13 @@
       </p:sp>
       <p:sp>
         <p:nvSpPr>
-          <p:cNvPr id="255" name="文本框 254"/>
+          <p:cNvPr id="242" name="文本框 241"/>
           <p:cNvSpPr txBox="1"/>
           <p:nvPr/>
         </p:nvSpPr>
         <p:spPr>
           <a:xfrm>
-            <a:off x="1318260" y="3002280"/>
+            <a:off x="1318260" y="2994025"/>
             <a:ext cx="1997075" cy="299085"/>
           </a:xfrm>
           <a:prstGeom prst="rect">
@@ -31372,6 +31429,11 @@
             <a:avLst/>
           </a:prstGeom>
           <a:ln>
+            <a:solidFill>
+              <a:schemeClr val="accent5">
+                <a:lumMod val="75000"/>
+              </a:schemeClr>
+            </a:solidFill>
             <a:tailEnd type="triangle"/>
           </a:ln>
         </p:spPr>
@@ -31405,6 +31467,11 @@
             <a:avLst/>
           </a:prstGeom>
           <a:ln>
+            <a:solidFill>
+              <a:schemeClr val="accent5">
+                <a:lumMod val="75000"/>
+              </a:schemeClr>
+            </a:solidFill>
             <a:tailEnd type="triangle"/>
           </a:ln>
         </p:spPr>
@@ -31438,6 +31505,11 @@
             <a:avLst/>
           </a:prstGeom>
           <a:ln>
+            <a:solidFill>
+              <a:schemeClr val="accent5">
+                <a:lumMod val="75000"/>
+              </a:schemeClr>
+            </a:solidFill>
             <a:tailEnd type="triangle"/>
           </a:ln>
         </p:spPr>
@@ -31471,6 +31543,11 @@
             <a:avLst/>
           </a:prstGeom>
           <a:ln>
+            <a:solidFill>
+              <a:schemeClr val="accent5">
+                <a:lumMod val="75000"/>
+              </a:schemeClr>
+            </a:solidFill>
             <a:tailEnd type="triangle"/>
           </a:ln>
         </p:spPr>
@@ -31676,18 +31753,20 @@
       <p:cxnSp>
         <p:nvCxnSpPr>
           <p:cNvPr id="238" name="曲线连接符 237"/>
-          <p:cNvCxnSpPr/>
+          <p:cNvCxnSpPr>
+            <a:stCxn id="187" idx="2"/>
+          </p:cNvCxnSpPr>
           <p:nvPr/>
         </p:nvCxnSpPr>
         <p:spPr>
           <a:xfrm rot="10800000" flipH="1">
-            <a:off x="2900680" y="1318895"/>
-            <a:ext cx="179705" cy="983615"/>
+            <a:off x="2889885" y="1318895"/>
+            <a:ext cx="96520" cy="993140"/>
           </a:xfrm>
           <a:prstGeom prst="curvedConnector4">
             <a:avLst>
-              <a:gd name="adj1" fmla="val -68904"/>
-              <a:gd name="adj2" fmla="val 76952"/>
+              <a:gd name="adj1" fmla="val -171710"/>
+              <a:gd name="adj2" fmla="val 72762"/>
             </a:avLst>
           </a:prstGeom>
           <a:ln>
